--- a/YANA-USE_CASES.pptx
+++ b/YANA-USE_CASES.pptx
@@ -268,7 +268,7 @@
                 <a:ea typeface="Tahoma" panose="020B0604030504040204" pitchFamily="34" charset="0"/>
                 <a:cs typeface="Tahoma" panose="020B0604030504040204" pitchFamily="34" charset="0"/>
               </a:rPr>
-              <a:t>כ"ב/ניסן/תשפ"א</a:t>
+              <a:t>כ"ג/ניסן/תשפ"א</a:t>
             </a:fld>
             <a:endParaRPr lang="he-IL">
               <a:latin typeface="Tahoma" panose="020B0604030504040204" pitchFamily="34" charset="0"/>
@@ -474,7 +474,7 @@
             <a:fld id="{68B046A0-B038-4E7C-A1E6-FA1AF6C11C2C}" type="datetime1">
               <a:rPr lang="he-IL" smtClean="0"/>
               <a:pPr/>
-              <a:t>כ"ב/ניסן/תשפ"א</a:t>
+              <a:t>כ"ג/ניסן/תשפ"א</a:t>
             </a:fld>
             <a:endParaRPr lang="he-IL" dirty="0"/>
           </a:p>
@@ -4855,7 +4855,7 @@
           <a:p>
             <a:fld id="{94B43D15-E77F-4644-B541-976CD44FBF9F}" type="datetimeFigureOut">
               <a:rPr lang="en-US" smtClean="0"/>
-              <a:t>4/4/2021</a:t>
+              <a:t>4/5/2021</a:t>
             </a:fld>
             <a:endParaRPr lang="en-US"/>
           </a:p>
@@ -5524,7 +5524,7 @@
           <a:p>
             <a:fld id="{C2DB4561-F79E-404F-AC80-ABDDDB1E63A7}" type="datetime1">
               <a:rPr lang="he-IL" noProof="0" smtClean="0"/>
-              <a:t>כ"ב/ניסן/תשפ"א</a:t>
+              <a:t>כ"ג/ניסן/תשפ"א</a:t>
             </a:fld>
             <a:endParaRPr lang="he-IL" noProof="0"/>
           </a:p>
@@ -7858,15 +7858,7 @@
             <a:pPr algn="r" rtl="1"/>
             <a:r>
               <a:rPr lang="he-IL" dirty="0"/>
-              <a:t>הצעת חוויה ומסגרת חברתית לאנשים שאין להם את המעגלים החברתיים שיאפשרו זאת. האפליקציה מציעה לאנשים שמרגישים בודדים את </a:t>
-            </a:r>
-            <a:r>
-              <a:rPr lang="he-IL" dirty="0" err="1"/>
-              <a:t>את</a:t>
-            </a:r>
-            <a:r>
-              <a:rPr lang="he-IL" dirty="0"/>
-              <a:t> היכולת ליזום או לזרום למפגש חברתי עם אנשים חדשים במרחב בטוח שעובד בשיתוף פעולה עם </a:t>
+              <a:t>הצעת חוויה ומסגרת חברתית לאנשים שאין להם את המעגלים החברתיים שיאפשרו זאת. האפליקציה מציעה לאנשים שמרגישים בודדים את היכולת ליזום או לזרום למפגש חברתי עם אנשים חדשים במרחב בטוח שעובד בשיתוף פעולה עם </a:t>
             </a:r>
             <a:r>
               <a:rPr lang="en-US" dirty="0"/>
@@ -7891,7 +7883,7 @@
                 <a:latin typeface="Tahoma" panose="020B0604030504040204" pitchFamily="34" charset="0"/>
                 <a:cs typeface="Tahoma" panose="020B0604030504040204" pitchFamily="34" charset="0"/>
               </a:rPr>
-              <a:t>מנגד, אנו רוצים גם אנשים שלוקחים חלק בתוכנית הזאת כדי להיות פה בשביל הבודדים, שיהיו חברותיים, שידעו ליצור קשר קל ומהיר עם אנשים, שיצרו מעגלי שיח וצחוק, וימלאו את הקאנטה בחיים ושמחה כדי שאף אחד לא ירגיש לא נעים להצטרף. </a:t>
+              <a:t>מנגד, אנו רוצים גם אנשים שלוקחים חלק בתוכנית הזו על מנת להיות פה בשביל הבודדים, שיהיו חברותיים, שידעו ליצור קשר קל ומהיר עם אנשים, שיצרו מעגלי שיח וצחוק, וימלאו את הקאנטה בחיים ושמחה כדי שאף אחד לא ירגיש לא נעים להצטרף. </a:t>
             </a:r>
           </a:p>
         </p:txBody>
@@ -8009,15 +8001,7 @@
             <a:pPr algn="r" rtl="1"/>
             <a:r>
               <a:rPr lang="he-IL" dirty="0"/>
-              <a:t>האפליקציה </a:t>
-            </a:r>
-            <a:r>
-              <a:rPr lang="he-IL" dirty="0" err="1"/>
-              <a:t>נתאפשר</a:t>
-            </a:r>
-            <a:r>
-              <a:rPr lang="he-IL" dirty="0"/>
-              <a:t> איתור מעגל חברתי או מפגש חברתי בסמוך למקום הימצאות המבקשים. הללו יוכלו לבקש להצטרף למפגש או לקבל הזמנה אליו. המפגש יתרחש במרחב בטוח – מסעדה/פאב וכל עסק קטן שירצה לקחת חלק בכך, כאשר האחרון יעבור הסמכת </a:t>
+              <a:t>האפליקציה תאפשר איתור מעגל חברתי או מפגש חברתי בסמוך למקום הימצאות המבקשים. הללו יוכלו לבקש להצטרף למפגש או לקבל הזמנה אליו. המפגש יתרחש במרחב בטוח – מסעדה/פאב וכל עסק קטן שירצה לקחת חלק בכך, כאשר האחרון יעבור הסמכת </a:t>
             </a:r>
             <a:r>
               <a:rPr lang="en-US" dirty="0"/>
@@ -9990,24 +9974,6 @@
 </file>
 
 <file path=customXml/item1.xml><?xml version="1.0" encoding="utf-8"?>
-<?mso-contentType ?>
-<FormTemplates xmlns="http://schemas.microsoft.com/sharepoint/v3/contenttype/forms">
-  <Display>DocumentLibraryForm</Display>
-  <Edit>DocumentLibraryForm</Edit>
-  <New>DocumentLibraryForm</New>
-</FormTemplates>
-</file>
-
-<file path=customXml/item2.xml><?xml version="1.0" encoding="utf-8"?>
-<p:properties xmlns:p="http://schemas.microsoft.com/office/2006/metadata/properties" xmlns:xsi="http://www.w3.org/2001/XMLSchema-instance" xmlns:pc="http://schemas.microsoft.com/office/infopath/2007/PartnerControls">
-  <documentManagement>
-    <Status xmlns="71af3243-3dd4-4a8d-8c0d-dd76da1f02a5">Not started</Status>
-    <MediaServiceKeyPoints xmlns="71af3243-3dd4-4a8d-8c0d-dd76da1f02a5" xsi:nil="true"/>
-  </documentManagement>
-</p:properties>
-</file>
-
-<file path=customXml/item3.xml><?xml version="1.0" encoding="utf-8"?>
 <ct:contentTypeSchema xmlns:ct="http://schemas.microsoft.com/office/2006/metadata/contentType" xmlns:ma="http://schemas.microsoft.com/office/2006/metadata/properties/metaAttributes" ct:_="" ma:_="" ma:contentTypeName="Document" ma:contentTypeID="0x01010079F111ED35F8CC479449609E8A0923A6" ma:contentTypeVersion="12" ma:contentTypeDescription="Create a new document." ma:contentTypeScope="" ma:versionID="426e97fa315356fffbdcd9876fe988c2">
   <xsd:schema xmlns:xsd="http://www.w3.org/2001/XMLSchema" xmlns:xs="http://www.w3.org/2001/XMLSchema" xmlns:p="http://schemas.microsoft.com/office/2006/metadata/properties" xmlns:ns2="71af3243-3dd4-4a8d-8c0d-dd76da1f02a5" xmlns:ns3="16c05727-aa75-4e4a-9b5f-8a80a1165891" targetNamespace="http://schemas.microsoft.com/office/2006/metadata/properties" ma:root="true" ma:fieldsID="14b8f0def80e6d70ce3def20c90759ae" ns2:_="" ns3:_="">
     <xsd:import namespace="71af3243-3dd4-4a8d-8c0d-dd76da1f02a5"/>
@@ -10228,25 +10194,25 @@
 </ct:contentTypeSchema>
 </file>
 
-<file path=customXml/itemProps1.xml><?xml version="1.0" encoding="utf-8"?>
-<ds:datastoreItem xmlns:ds="http://schemas.openxmlformats.org/officeDocument/2006/customXml" ds:itemID="{290C39CA-9915-47FC-83A1-6E8C207A3BE4}">
-  <ds:schemaRefs>
-    <ds:schemaRef ds:uri="http://schemas.microsoft.com/sharepoint/v3/contenttype/forms"/>
-  </ds:schemaRefs>
-</ds:datastoreItem>
+<file path=customXml/item2.xml><?xml version="1.0" encoding="utf-8"?>
+<p:properties xmlns:p="http://schemas.microsoft.com/office/2006/metadata/properties" xmlns:xsi="http://www.w3.org/2001/XMLSchema-instance" xmlns:pc="http://schemas.microsoft.com/office/infopath/2007/PartnerControls">
+  <documentManagement>
+    <Status xmlns="71af3243-3dd4-4a8d-8c0d-dd76da1f02a5">Not started</Status>
+    <MediaServiceKeyPoints xmlns="71af3243-3dd4-4a8d-8c0d-dd76da1f02a5" xsi:nil="true"/>
+  </documentManagement>
+</p:properties>
 </file>
 
-<file path=customXml/itemProps2.xml><?xml version="1.0" encoding="utf-8"?>
-<ds:datastoreItem xmlns:ds="http://schemas.openxmlformats.org/officeDocument/2006/customXml" ds:itemID="{10C740B6-F6CE-4D30-A20A-371284ACF789}">
-  <ds:schemaRefs>
-    <ds:schemaRef ds:uri="http://schemas.microsoft.com/office/2006/metadata/properties"/>
-    <ds:schemaRef ds:uri="http://schemas.microsoft.com/office/infopath/2007/PartnerControls"/>
-    <ds:schemaRef ds:uri="71af3243-3dd4-4a8d-8c0d-dd76da1f02a5"/>
-  </ds:schemaRefs>
-</ds:datastoreItem>
+<file path=customXml/item3.xml><?xml version="1.0" encoding="utf-8"?>
+<?mso-contentType ?>
+<FormTemplates xmlns="http://schemas.microsoft.com/sharepoint/v3/contenttype/forms">
+  <Display>DocumentLibraryForm</Display>
+  <Edit>DocumentLibraryForm</Edit>
+  <New>DocumentLibraryForm</New>
+</FormTemplates>
 </file>
 
-<file path=customXml/itemProps3.xml><?xml version="1.0" encoding="utf-8"?>
+<file path=customXml/itemProps1.xml><?xml version="1.0" encoding="utf-8"?>
 <ds:datastoreItem xmlns:ds="http://schemas.openxmlformats.org/officeDocument/2006/customXml" ds:itemID="{AD571A76-9EB8-4894-8453-B7A5614E2CD8}">
   <ds:schemaRefs>
     <ds:schemaRef ds:uri="http://schemas.microsoft.com/office/2006/metadata/contentType"/>
@@ -10263,4 +10229,22 @@
     <ds:schemaRef ds:uri="http://schemas.microsoft.com/internal/obd"/>
   </ds:schemaRefs>
 </ds:datastoreItem>
+</file>
+
+<file path=customXml/itemProps2.xml><?xml version="1.0" encoding="utf-8"?>
+<ds:datastoreItem xmlns:ds="http://schemas.openxmlformats.org/officeDocument/2006/customXml" ds:itemID="{10C740B6-F6CE-4D30-A20A-371284ACF789}">
+  <ds:schemaRefs>
+    <ds:schemaRef ds:uri="http://schemas.microsoft.com/office/2006/metadata/properties"/>
+    <ds:schemaRef ds:uri="http://schemas.microsoft.com/office/infopath/2007/PartnerControls"/>
+    <ds:schemaRef ds:uri="71af3243-3dd4-4a8d-8c0d-dd76da1f02a5"/>
+  </ds:schemaRefs>
+</ds:datastoreItem>
+</file>
+
+<file path=customXml/itemProps3.xml><?xml version="1.0" encoding="utf-8"?>
+<ds:datastoreItem xmlns:ds="http://schemas.openxmlformats.org/officeDocument/2006/customXml" ds:itemID="{290C39CA-9915-47FC-83A1-6E8C207A3BE4}">
+  <ds:schemaRefs>
+    <ds:schemaRef ds:uri="http://schemas.microsoft.com/sharepoint/v3/contenttype/forms"/>
+  </ds:schemaRefs>
+</ds:datastoreItem>
 </file>